--- a/ppt-sample/동국시스템즈-문서양식.pptx
+++ b/ppt-sample/동국시스템즈-문서양식.pptx
@@ -210,7 +210,7 @@
           <a:p>
             <a:fld id="{D2E4BD13-F898-49E6-A39C-3EB0AB04F83F}" type="datetimeFigureOut">
               <a:rPr lang="ko-KR" altLang="en-US" smtClean="0"/>
-              <a:t>01-09(Fri)</a:t>
+              <a:t>01-11(Sun)</a:t>
             </a:fld>
             <a:endParaRPr lang="ko-KR" altLang="en-US"/>
           </a:p>
@@ -375,7 +375,7 @@
           <a:p>
             <a:fld id="{C4F66D35-9081-4BC0-9692-D9FCDB08226D}" type="datetimeFigureOut">
               <a:rPr lang="ko-KR" altLang="en-US" smtClean="0"/>
-              <a:t>01-09(Fri)</a:t>
+              <a:t>01-11(Sun)</a:t>
             </a:fld>
             <a:endParaRPr lang="ko-KR" altLang="en-US"/>
           </a:p>
@@ -1021,7 +1021,7 @@
           <a:graphicData uri="http://schemas.openxmlformats.org/presentationml/2006/ole">
             <mc:AlternateContent xmlns:mc="http://schemas.openxmlformats.org/markup-compatibility/2006">
               <mc:Choice xmlns:v="urn:schemas-microsoft-com:vml" Requires="v">
-                <p:oleObj spid="_x0000_s177210" name="think-cell 슬라이드" r:id="rId5" imgW="395" imgH="394" progId="TCLayout.ActiveDocument.1">
+                <p:oleObj spid="_x0000_s177211" name="think-cell 슬라이드" r:id="rId5" imgW="395" imgH="394" progId="TCLayout.ActiveDocument.1">
                   <p:embed/>
                 </p:oleObj>
               </mc:Choice>
@@ -2269,7 +2269,7 @@
           <a:graphicData uri="http://schemas.openxmlformats.org/presentationml/2006/ole">
             <mc:AlternateContent xmlns:mc="http://schemas.openxmlformats.org/markup-compatibility/2006">
               <mc:Choice xmlns:v="urn:schemas-microsoft-com:vml" Requires="v">
-                <p:oleObj spid="_x0000_s183352" name="think-cell 슬라이드" r:id="rId5" imgW="395" imgH="394" progId="TCLayout.ActiveDocument.1">
+                <p:oleObj spid="_x0000_s183353" name="think-cell 슬라이드" r:id="rId5" imgW="395" imgH="394" progId="TCLayout.ActiveDocument.1">
                   <p:embed/>
                 </p:oleObj>
               </mc:Choice>
@@ -2828,7 +2828,7 @@
           <a:graphicData uri="http://schemas.openxmlformats.org/presentationml/2006/ole">
             <mc:AlternateContent xmlns:mc="http://schemas.openxmlformats.org/markup-compatibility/2006">
               <mc:Choice xmlns:v="urn:schemas-microsoft-com:vml" Requires="v">
-                <p:oleObj spid="_x0000_s185401" name="think-cell 슬라이드" r:id="rId5" imgW="395" imgH="394" progId="TCLayout.ActiveDocument.1">
+                <p:oleObj spid="_x0000_s185402" name="think-cell 슬라이드" r:id="rId5" imgW="395" imgH="394" progId="TCLayout.ActiveDocument.1">
                   <p:embed/>
                 </p:oleObj>
               </mc:Choice>
@@ -3453,7 +3453,7 @@
           <a:graphicData uri="http://schemas.openxmlformats.org/presentationml/2006/ole">
             <mc:AlternateContent xmlns:mc="http://schemas.openxmlformats.org/markup-compatibility/2006">
               <mc:Choice xmlns:v="urn:schemas-microsoft-com:vml" Requires="v">
-                <p:oleObj spid="_x0000_s205835" name="think-cell 슬라이드" r:id="rId5" imgW="395" imgH="394" progId="TCLayout.ActiveDocument.1">
+                <p:oleObj spid="_x0000_s205836" name="think-cell 슬라이드" r:id="rId5" imgW="395" imgH="394" progId="TCLayout.ActiveDocument.1">
                   <p:embed/>
                 </p:oleObj>
               </mc:Choice>
@@ -3977,7 +3977,7 @@
           <a:graphicData uri="http://schemas.openxmlformats.org/presentationml/2006/ole">
             <mc:AlternateContent xmlns:mc="http://schemas.openxmlformats.org/markup-compatibility/2006">
               <mc:Choice xmlns:v="urn:schemas-microsoft-com:vml" Requires="v">
-                <p:oleObj spid="_x0000_s204830" name="think-cell 슬라이드" r:id="rId5" imgW="395" imgH="394" progId="TCLayout.ActiveDocument.1">
+                <p:oleObj spid="_x0000_s204831" name="think-cell 슬라이드" r:id="rId5" imgW="395" imgH="394" progId="TCLayout.ActiveDocument.1">
                   <p:embed/>
                 </p:oleObj>
               </mc:Choice>
@@ -4519,7 +4519,7 @@
           <a:graphicData uri="http://schemas.openxmlformats.org/presentationml/2006/ole">
             <mc:AlternateContent xmlns:mc="http://schemas.openxmlformats.org/markup-compatibility/2006">
               <mc:Choice xmlns:v="urn:schemas-microsoft-com:vml" Requires="v">
-                <p:oleObj spid="_x0000_s176187" name="think-cell 슬라이드" r:id="rId9" imgW="381" imgH="381" progId="TCLayout.ActiveDocument.1">
+                <p:oleObj spid="_x0000_s176188" name="think-cell 슬라이드" r:id="rId9" imgW="381" imgH="381" progId="TCLayout.ActiveDocument.1">
                   <p:embed/>
                 </p:oleObj>
               </mc:Choice>
@@ -5088,7 +5088,7 @@
           <a:graphicData uri="http://schemas.openxmlformats.org/presentationml/2006/ole">
             <mc:AlternateContent xmlns:mc="http://schemas.openxmlformats.org/markup-compatibility/2006">
               <mc:Choice xmlns:v="urn:schemas-microsoft-com:vml" Requires="v">
-                <p:oleObj spid="_x0000_s190513" name="think-cell 슬라이드" r:id="rId5" imgW="381" imgH="381" progId="TCLayout.ActiveDocument.1">
+                <p:oleObj spid="_x0000_s190514" name="think-cell 슬라이드" r:id="rId5" imgW="381" imgH="381" progId="TCLayout.ActiveDocument.1">
                   <p:embed/>
                 </p:oleObj>
               </mc:Choice>
@@ -5143,7 +5143,21 @@
           <a:bodyPr vert="horz"/>
           <a:lstStyle/>
           <a:p>
-            <a:endParaRPr lang="ko-KR" altLang="en-US" dirty="0"/>
+            <a:r>
+              <a:rPr lang="ko-KR" altLang="en-US" dirty="0"/>
+              <a:t>동국시스템즈 문서 표지 양식</a:t>
+            </a:r>
+            <a:br>
+              <a:rPr lang="ko-KR" altLang="en-US" dirty="0"/>
+            </a:br>
+            <a:r>
+              <a:rPr lang="en-US" altLang="ko-KR" dirty="0"/>
+              <a:t>White_Big K </a:t>
+            </a:r>
+            <a:r>
+              <a:rPr lang="ko-KR" altLang="en-US" dirty="0"/>
+              <a:t>버전</a:t>
+            </a:r>
           </a:p>
         </p:txBody>
       </p:sp>
@@ -5162,7 +5176,19 @@
           <a:bodyPr/>
           <a:lstStyle/>
           <a:p>
-            <a:endParaRPr lang="ko-KR" altLang="en-US"/>
+            <a:r>
+              <a:rPr lang="ko-KR" altLang="en-US" dirty="0" err="1" smtClean="0"/>
+              <a:t>부산운영팀</a:t>
+            </a:r>
+            <a:r>
+              <a:rPr lang="ko-KR" altLang="en-US" dirty="0" smtClean="0"/>
+              <a:t> </a:t>
+            </a:r>
+            <a:r>
+              <a:rPr lang="en-US" altLang="ko-KR" dirty="0" smtClean="0"/>
+              <a:t>| 2026.01.01</a:t>
+            </a:r>
+            <a:endParaRPr lang="ko-KR" altLang="en-US" dirty="0"/>
           </a:p>
         </p:txBody>
       </p:sp>
@@ -5228,7 +5254,7 @@
           <a:graphicData uri="http://schemas.openxmlformats.org/presentationml/2006/ole">
             <mc:AlternateContent xmlns:mc="http://schemas.openxmlformats.org/markup-compatibility/2006">
               <mc:Choice xmlns:v="urn:schemas-microsoft-com:vml" Requires="v">
-                <p:oleObj spid="_x0000_s192553" name="think-cell 슬라이드" r:id="rId5" imgW="381" imgH="381" progId="TCLayout.ActiveDocument.1">
+                <p:oleObj spid="_x0000_s192554" name="think-cell 슬라이드" r:id="rId5" imgW="381" imgH="381" progId="TCLayout.ActiveDocument.1">
                   <p:embed/>
                 </p:oleObj>
               </mc:Choice>
@@ -5547,6 +5573,26 @@
           <a:bodyPr/>
           <a:lstStyle/>
           <a:p>
+            <a:r>
+              <a:rPr lang="ko-KR" altLang="en-US" dirty="0"/>
+              <a:t>마스터 텍스트 스타일 편집</a:t>
+            </a:r>
+          </a:p>
+          <a:p>
+            <a:pPr lvl="1"/>
+            <a:r>
+              <a:rPr lang="ko-KR" altLang="en-US" dirty="0"/>
+              <a:t>둘째 수준</a:t>
+            </a:r>
+          </a:p>
+          <a:p>
+            <a:pPr lvl="2"/>
+            <a:r>
+              <a:rPr lang="ko-KR" altLang="en-US" dirty="0"/>
+              <a:t>셋째 수준</a:t>
+            </a:r>
+          </a:p>
+          <a:p>
             <a:endParaRPr lang="ko-KR" altLang="en-US" dirty="0"/>
           </a:p>
         </p:txBody>
@@ -5566,6 +5612,64 @@
           <a:bodyPr/>
           <a:lstStyle/>
           <a:p>
+            <a:r>
+              <a:rPr lang="en-US" altLang="ko-KR" dirty="0"/>
+              <a:t>Action title</a:t>
+            </a:r>
+            <a:r>
+              <a:rPr lang="ko-KR" altLang="en-US" dirty="0"/>
+              <a:t>은 </a:t>
+            </a:r>
+            <a:r>
+              <a:rPr lang="ko-KR" altLang="en-US" dirty="0" err="1"/>
+              <a:t>본고딕</a:t>
+            </a:r>
+            <a:r>
+              <a:rPr lang="ko-KR" altLang="en-US" dirty="0"/>
+              <a:t> </a:t>
+            </a:r>
+            <a:r>
+              <a:rPr lang="en-US" altLang="ko-KR" dirty="0"/>
+              <a:t>Medium 17pt </a:t>
+            </a:r>
+            <a:r>
+              <a:rPr lang="ko-KR" altLang="en-US" dirty="0"/>
+              <a:t>입니다</a:t>
+            </a:r>
+            <a:r>
+              <a:rPr lang="en-US" altLang="ko-KR" dirty="0"/>
+              <a:t>.</a:t>
+            </a:r>
+            <a:br>
+              <a:rPr lang="en-US" altLang="ko-KR" dirty="0"/>
+            </a:br>
+            <a:r>
+              <a:rPr lang="ko-KR" altLang="en-US" dirty="0"/>
+              <a:t>최대 </a:t>
+            </a:r>
+            <a:r>
+              <a:rPr lang="ko-KR" altLang="en-US" dirty="0" err="1"/>
+              <a:t>두줄까지</a:t>
+            </a:r>
+            <a:r>
+              <a:rPr lang="ko-KR" altLang="en-US" dirty="0"/>
+              <a:t> 사용 가능하며 본문 요약 및 주요 메시지를 </a:t>
+            </a:r>
+            <a:r>
+              <a:rPr lang="ko-KR" altLang="en-US" dirty="0" err="1" smtClean="0"/>
+              <a:t>기재해주십시요</a:t>
+            </a:r>
+            <a:r>
+              <a:rPr lang="en-US" altLang="ko-KR" dirty="0" smtClean="0"/>
+              <a:t>.</a:t>
+            </a:r>
+            <a:r>
+              <a:rPr lang="ko-KR" altLang="en-US" dirty="0"/>
+              <a:t/>
+            </a:r>
+            <a:br>
+              <a:rPr lang="ko-KR" altLang="en-US" dirty="0"/>
+            </a:br>
             <a:endParaRPr lang="ko-KR" altLang="en-US" dirty="0"/>
           </a:p>
         </p:txBody>
@@ -5580,11 +5684,44 @@
             <p:ph type="body" sz="quarter" idx="19"/>
           </p:nvPr>
         </p:nvSpPr>
-        <p:spPr/>
+        <p:spPr>
+          <a:xfrm>
+            <a:off x="272833" y="150695"/>
+            <a:ext cx="6172693" cy="410497"/>
+          </a:xfrm>
+        </p:spPr>
         <p:txBody>
           <a:bodyPr/>
           <a:lstStyle/>
           <a:p>
+            <a:r>
+              <a:rPr lang="en-US" altLang="ko-KR" dirty="0"/>
+              <a:t>Main Title</a:t>
+            </a:r>
+            <a:r>
+              <a:rPr lang="ko-KR" altLang="en-US" dirty="0"/>
+              <a:t>은 </a:t>
+            </a:r>
+            <a:r>
+              <a:rPr lang="ko-KR" altLang="en-US" dirty="0" err="1"/>
+              <a:t>본고딕</a:t>
+            </a:r>
+            <a:r>
+              <a:rPr lang="ko-KR" altLang="en-US" dirty="0"/>
+              <a:t> </a:t>
+            </a:r>
+            <a:r>
+              <a:rPr lang="en-US" altLang="ko-KR" dirty="0"/>
+              <a:t>Medium 19pt</a:t>
+            </a:r>
+            <a:r>
+              <a:rPr lang="ko-KR" altLang="en-US" dirty="0"/>
+              <a:t>입니다</a:t>
+            </a:r>
+            <a:r>
+              <a:rPr lang="en-US" altLang="ko-KR" dirty="0" smtClean="0"/>
+              <a:t>.</a:t>
+            </a:r>
             <a:endParaRPr lang="ko-KR" altLang="en-US" dirty="0"/>
           </a:p>
         </p:txBody>
@@ -5696,7 +5833,58 @@
           <a:bodyPr/>
           <a:lstStyle/>
           <a:p>
-            <a:endParaRPr lang="ko-KR" altLang="en-US"/>
+            <a:r>
+              <a:rPr lang="en-US" altLang="ko-KR" dirty="0"/>
+              <a:t>Action title</a:t>
+            </a:r>
+            <a:r>
+              <a:rPr lang="ko-KR" altLang="en-US" dirty="0"/>
+              <a:t>은 </a:t>
+            </a:r>
+            <a:r>
+              <a:rPr lang="ko-KR" altLang="en-US" dirty="0" err="1"/>
+              <a:t>본고딕</a:t>
+            </a:r>
+            <a:r>
+              <a:rPr lang="ko-KR" altLang="en-US" dirty="0"/>
+              <a:t> </a:t>
+            </a:r>
+            <a:r>
+              <a:rPr lang="en-US" altLang="ko-KR" dirty="0"/>
+              <a:t>Medium 17pt </a:t>
+            </a:r>
+            <a:r>
+              <a:rPr lang="ko-KR" altLang="en-US" dirty="0"/>
+              <a:t>입니다</a:t>
+            </a:r>
+            <a:r>
+              <a:rPr lang="en-US" altLang="ko-KR" dirty="0"/>
+              <a:t>.</a:t>
+            </a:r>
+            <a:br>
+              <a:rPr lang="en-US" altLang="ko-KR" dirty="0"/>
+            </a:br>
+            <a:r>
+              <a:rPr lang="ko-KR" altLang="en-US" dirty="0"/>
+              <a:t>최대 </a:t>
+            </a:r>
+            <a:r>
+              <a:rPr lang="ko-KR" altLang="en-US" dirty="0" err="1"/>
+              <a:t>두줄까지</a:t>
+            </a:r>
+            <a:r>
+              <a:rPr lang="ko-KR" altLang="en-US" dirty="0"/>
+              <a:t> 사용 가능하며 본문 요약 및 주요 메시지를 </a:t>
+            </a:r>
+            <a:r>
+              <a:rPr lang="ko-KR" altLang="en-US" dirty="0" err="1"/>
+              <a:t>기재해주십시요</a:t>
+            </a:r>
+            <a:r>
+              <a:rPr lang="en-US" altLang="ko-KR" dirty="0"/>
+              <a:t>.</a:t>
+            </a:r>
+            <a:endParaRPr lang="ko-KR" altLang="en-US" dirty="0"/>
           </a:p>
         </p:txBody>
       </p:sp>
@@ -5710,12 +5898,45 @@
             <p:ph type="body" sz="quarter" idx="19"/>
           </p:nvPr>
         </p:nvSpPr>
-        <p:spPr/>
+        <p:spPr>
+          <a:xfrm>
+            <a:off x="272833" y="152683"/>
+            <a:ext cx="6172693" cy="406522"/>
+          </a:xfrm>
+        </p:spPr>
         <p:txBody>
           <a:bodyPr/>
           <a:lstStyle/>
           <a:p>
-            <a:endParaRPr lang="ko-KR" altLang="en-US"/>
+            <a:r>
+              <a:rPr lang="en-US" altLang="ko-KR" dirty="0"/>
+              <a:t>Main Title</a:t>
+            </a:r>
+            <a:r>
+              <a:rPr lang="ko-KR" altLang="en-US" dirty="0"/>
+              <a:t>은 </a:t>
+            </a:r>
+            <a:r>
+              <a:rPr lang="ko-KR" altLang="en-US" dirty="0" err="1"/>
+              <a:t>본고딕</a:t>
+            </a:r>
+            <a:r>
+              <a:rPr lang="ko-KR" altLang="en-US" dirty="0"/>
+              <a:t> </a:t>
+            </a:r>
+            <a:r>
+              <a:rPr lang="en-US" altLang="ko-KR" dirty="0"/>
+              <a:t>Medium 19pt</a:t>
+            </a:r>
+            <a:r>
+              <a:rPr lang="ko-KR" altLang="en-US" dirty="0"/>
+              <a:t>입니다</a:t>
+            </a:r>
+            <a:r>
+              <a:rPr lang="en-US" altLang="ko-KR" dirty="0" smtClean="0"/>
+              <a:t>.</a:t>
+            </a:r>
+            <a:endParaRPr lang="ko-KR" altLang="en-US" dirty="0"/>
           </a:p>
         </p:txBody>
       </p:sp>
@@ -5771,30 +5992,6 @@
               <a:t>팀</a:t>
             </a:r>
             <a:endParaRPr lang="ko-KR" altLang="en-US" dirty="0"/>
-          </a:p>
-        </p:txBody>
-      </p:sp>
-      <p:sp>
-        <p:nvSpPr>
-          <p:cNvPr id="6" name="내용 개체 틀 5"/>
-          <p:cNvSpPr>
-            <a:spLocks noGrp="1"/>
-          </p:cNvSpPr>
-          <p:nvPr>
-            <p:ph sz="quarter" idx="4294967295"/>
-          </p:nvPr>
-        </p:nvSpPr>
-        <p:spPr>
-          <a:xfrm>
-            <a:off x="270064" y="1514007"/>
-            <a:ext cx="9357889" cy="4916956"/>
-          </a:xfrm>
-        </p:spPr>
-        <p:txBody>
-          <a:bodyPr/>
-          <a:lstStyle/>
-          <a:p>
-            <a:endParaRPr lang="ko-KR" altLang="en-US"/>
           </a:p>
         </p:txBody>
       </p:sp>
@@ -5838,11 +6035,44 @@
             <p:ph type="body" sz="quarter" idx="19"/>
           </p:nvPr>
         </p:nvSpPr>
-        <p:spPr/>
+        <p:spPr>
+          <a:xfrm>
+            <a:off x="272833" y="152683"/>
+            <a:ext cx="9357781" cy="406522"/>
+          </a:xfrm>
+        </p:spPr>
         <p:txBody>
           <a:bodyPr/>
           <a:lstStyle/>
           <a:p>
+            <a:r>
+              <a:rPr lang="en-US" altLang="ko-KR" dirty="0"/>
+              <a:t>Main Title</a:t>
+            </a:r>
+            <a:r>
+              <a:rPr lang="ko-KR" altLang="en-US" dirty="0"/>
+              <a:t>은 </a:t>
+            </a:r>
+            <a:r>
+              <a:rPr lang="ko-KR" altLang="en-US" dirty="0" err="1"/>
+              <a:t>본고딕</a:t>
+            </a:r>
+            <a:r>
+              <a:rPr lang="ko-KR" altLang="en-US" dirty="0"/>
+              <a:t> </a:t>
+            </a:r>
+            <a:r>
+              <a:rPr lang="en-US" altLang="ko-KR" dirty="0"/>
+              <a:t>Medium 19pt</a:t>
+            </a:r>
+            <a:r>
+              <a:rPr lang="ko-KR" altLang="en-US" dirty="0"/>
+              <a:t>입니다</a:t>
+            </a:r>
+            <a:r>
+              <a:rPr lang="en-US" altLang="ko-KR" dirty="0" smtClean="0"/>
+              <a:t>.</a:t>
+            </a:r>
             <a:endParaRPr lang="ko-KR" altLang="en-US" dirty="0"/>
           </a:p>
         </p:txBody>
@@ -5916,6 +6146,26 @@
         <p:txBody>
           <a:bodyPr/>
           <a:lstStyle/>
+          <a:p>
+            <a:r>
+              <a:rPr lang="ko-KR" altLang="en-US" dirty="0"/>
+              <a:t>마스터 텍스트 스타일 편집</a:t>
+            </a:r>
+          </a:p>
+          <a:p>
+            <a:pPr lvl="1"/>
+            <a:r>
+              <a:rPr lang="ko-KR" altLang="en-US" dirty="0"/>
+              <a:t>둘째 수준</a:t>
+            </a:r>
+          </a:p>
+          <a:p>
+            <a:pPr lvl="2"/>
+            <a:r>
+              <a:rPr lang="ko-KR" altLang="en-US" dirty="0"/>
+              <a:t>셋째 수준</a:t>
+            </a:r>
+          </a:p>
           <a:p>
             <a:endParaRPr lang="ko-KR" altLang="en-US" dirty="0"/>
           </a:p>
